--- a/Data Structures using C#/data-structures-using-.net-core-csharp/Sortings/Insertion Sort/InsertionSort.pptx
+++ b/Data Structures using C#/data-structures-using-.net-core-csharp/Sortings/Insertion Sort/InsertionSort.pptx
@@ -15744,80 +15744,6 @@
             <a:endParaRPr lang="en-US" sz="2000" dirty="0"/>
           </a:p>
           <a:p>
-            <a:endParaRPr lang="en-US" dirty="0"/>
-          </a:p>
-        </p:txBody>
-      </p:sp>
-      <p:sp>
-        <p:nvSpPr>
-          <p:cNvPr id="12" name="TextBox 11">
-            <a:extLst>
-              <a:ext uri="{FF2B5EF4-FFF2-40B4-BE49-F238E27FC236}">
-                <a16:creationId xmlns:a16="http://schemas.microsoft.com/office/drawing/2014/main" id="{4A1757EB-3A18-5044-AC4F-F3ED72C9D30B}"/>
-              </a:ext>
-            </a:extLst>
-          </p:cNvPr>
-          <p:cNvSpPr txBox="1"/>
-          <p:nvPr/>
-        </p:nvSpPr>
-        <p:spPr>
-          <a:xfrm>
-            <a:off x="383934" y="3745721"/>
-            <a:ext cx="5626607" cy="1754326"/>
-          </a:xfrm>
-          <a:prstGeom prst="rect">
-            <a:avLst/>
-          </a:prstGeom>
-          <a:noFill/>
-          <a:effectLst>
-            <a:glow rad="63500">
-              <a:schemeClr val="accent2">
-                <a:satMod val="175000"/>
-                <a:alpha val="0"/>
-              </a:schemeClr>
-            </a:glow>
-          </a:effectLst>
-        </p:spPr>
-        <p:txBody>
-          <a:bodyPr wrap="square" rtlCol="0">
-            <a:spAutoFit/>
-          </a:bodyPr>
-          <a:lstStyle/>
-          <a:p>
-            <a:r>
-              <a:rPr lang="en-US" dirty="0"/>
-              <a:t>main()</a:t>
-            </a:r>
-          </a:p>
-          <a:p>
-            <a:r>
-              <a:rPr lang="en-US" dirty="0"/>
-              <a:t>{</a:t>
-            </a:r>
-          </a:p>
-          <a:p>
-            <a:r>
-              <a:rPr lang="en-US" dirty="0"/>
-              <a:t>       int a[]={1,2,3};</a:t>
-            </a:r>
-          </a:p>
-          <a:p>
-            <a:r>
-              <a:rPr lang="en-US" dirty="0"/>
-              <a:t>       printf(“%d %d %d”,a[0],a[1],a[2]);</a:t>
-            </a:r>
-          </a:p>
-          <a:p>
-            <a:r>
-              <a:rPr lang="en-US" dirty="0"/>
-              <a:t>}</a:t>
-            </a:r>
-          </a:p>
-          <a:p>
-            <a:r>
-              <a:rPr lang="en-US" b="1" dirty="0"/>
-              <a:t>Output:1 2 3</a:t>
-            </a:r>
             <a:endParaRPr lang="en-US" dirty="0"/>
           </a:p>
         </p:txBody>

--- a/Data Structures using C#/data-structures-using-.net-core-csharp/Sortings/Insertion Sort/InsertionSort.pptx
+++ b/Data Structures using C#/data-structures-using-.net-core-csharp/Sortings/Insertion Sort/InsertionSort.pptx
@@ -209,7 +209,7 @@
           <a:p>
             <a:fld id="{2FB6FFA2-5596-DA47-A26B-229D3D705C9C}" type="datetimeFigureOut">
               <a:rPr lang="en-US" smtClean="0"/>
-              <a:t>5/23/22</a:t>
+              <a:t>5/24/22</a:t>
             </a:fld>
             <a:endParaRPr lang="en-US"/>
           </a:p>
@@ -1715,7 +1715,7 @@
           <a:p>
             <a:fld id="{D7AFABE5-C7E3-F145-818B-F1C9F2CF8384}" type="datetimeFigureOut">
               <a:rPr lang="en-US" smtClean="0"/>
-              <a:t>5/23/22</a:t>
+              <a:t>5/24/22</a:t>
             </a:fld>
             <a:endParaRPr lang="en-US"/>
           </a:p>
@@ -1913,7 +1913,7 @@
           <a:p>
             <a:fld id="{D7AFABE5-C7E3-F145-818B-F1C9F2CF8384}" type="datetimeFigureOut">
               <a:rPr lang="en-US" smtClean="0"/>
-              <a:t>5/23/22</a:t>
+              <a:t>5/24/22</a:t>
             </a:fld>
             <a:endParaRPr lang="en-US"/>
           </a:p>
@@ -2121,7 +2121,7 @@
           <a:p>
             <a:fld id="{D7AFABE5-C7E3-F145-818B-F1C9F2CF8384}" type="datetimeFigureOut">
               <a:rPr lang="en-US" smtClean="0"/>
-              <a:t>5/23/22</a:t>
+              <a:t>5/24/22</a:t>
             </a:fld>
             <a:endParaRPr lang="en-US"/>
           </a:p>
@@ -2319,7 +2319,7 @@
           <a:p>
             <a:fld id="{D7AFABE5-C7E3-F145-818B-F1C9F2CF8384}" type="datetimeFigureOut">
               <a:rPr lang="en-US" smtClean="0"/>
-              <a:t>5/23/22</a:t>
+              <a:t>5/24/22</a:t>
             </a:fld>
             <a:endParaRPr lang="en-US"/>
           </a:p>
@@ -2594,7 +2594,7 @@
           <a:p>
             <a:fld id="{D7AFABE5-C7E3-F145-818B-F1C9F2CF8384}" type="datetimeFigureOut">
               <a:rPr lang="en-US" smtClean="0"/>
-              <a:t>5/23/22</a:t>
+              <a:t>5/24/22</a:t>
             </a:fld>
             <a:endParaRPr lang="en-US"/>
           </a:p>
@@ -2859,7 +2859,7 @@
           <a:p>
             <a:fld id="{D7AFABE5-C7E3-F145-818B-F1C9F2CF8384}" type="datetimeFigureOut">
               <a:rPr lang="en-US" smtClean="0"/>
-              <a:t>5/23/22</a:t>
+              <a:t>5/24/22</a:t>
             </a:fld>
             <a:endParaRPr lang="en-US"/>
           </a:p>
@@ -3271,7 +3271,7 @@
           <a:p>
             <a:fld id="{D7AFABE5-C7E3-F145-818B-F1C9F2CF8384}" type="datetimeFigureOut">
               <a:rPr lang="en-US" smtClean="0"/>
-              <a:t>5/23/22</a:t>
+              <a:t>5/24/22</a:t>
             </a:fld>
             <a:endParaRPr lang="en-US"/>
           </a:p>
@@ -3412,7 +3412,7 @@
           <a:p>
             <a:fld id="{D7AFABE5-C7E3-F145-818B-F1C9F2CF8384}" type="datetimeFigureOut">
               <a:rPr lang="en-US" smtClean="0"/>
-              <a:t>5/23/22</a:t>
+              <a:t>5/24/22</a:t>
             </a:fld>
             <a:endParaRPr lang="en-US"/>
           </a:p>
@@ -3525,7 +3525,7 @@
           <a:p>
             <a:fld id="{D7AFABE5-C7E3-F145-818B-F1C9F2CF8384}" type="datetimeFigureOut">
               <a:rPr lang="en-US" smtClean="0"/>
-              <a:t>5/23/22</a:t>
+              <a:t>5/24/22</a:t>
             </a:fld>
             <a:endParaRPr lang="en-US"/>
           </a:p>
@@ -3836,7 +3836,7 @@
           <a:p>
             <a:fld id="{D7AFABE5-C7E3-F145-818B-F1C9F2CF8384}" type="datetimeFigureOut">
               <a:rPr lang="en-US" smtClean="0"/>
-              <a:t>5/23/22</a:t>
+              <a:t>5/24/22</a:t>
             </a:fld>
             <a:endParaRPr lang="en-US"/>
           </a:p>
@@ -4124,7 +4124,7 @@
           <a:p>
             <a:fld id="{D7AFABE5-C7E3-F145-818B-F1C9F2CF8384}" type="datetimeFigureOut">
               <a:rPr lang="en-US" smtClean="0"/>
-              <a:t>5/23/22</a:t>
+              <a:t>5/24/22</a:t>
             </a:fld>
             <a:endParaRPr lang="en-US"/>
           </a:p>
@@ -4365,7 +4365,7 @@
           <a:p>
             <a:fld id="{D7AFABE5-C7E3-F145-818B-F1C9F2CF8384}" type="datetimeFigureOut">
               <a:rPr lang="en-US" smtClean="0"/>
-              <a:t>5/23/22</a:t>
+              <a:t>5/24/22</a:t>
             </a:fld>
             <a:endParaRPr lang="en-US"/>
           </a:p>
@@ -8562,7 +8562,7 @@
           </p:nvSpPr>
           <p:spPr>
             <a:xfrm>
-              <a:off x="2731472" y="1271794"/>
+              <a:off x="3268598" y="1343192"/>
               <a:ext cx="238705" cy="369332"/>
             </a:xfrm>
             <a:prstGeom prst="rect">
@@ -11719,61 +11719,6 @@
         </p:grpSp>
         <p:sp>
           <p:nvSpPr>
-            <p:cNvPr id="97" name="TextBox 96">
-              <a:extLst>
-                <a:ext uri="{FF2B5EF4-FFF2-40B4-BE49-F238E27FC236}">
-                  <a16:creationId xmlns:a16="http://schemas.microsoft.com/office/drawing/2014/main" id="{07E64238-B03C-8A45-9EBA-FBAB0C91A928}"/>
-                </a:ext>
-              </a:extLst>
-            </p:cNvPr>
-            <p:cNvSpPr txBox="1"/>
-            <p:nvPr/>
-          </p:nvSpPr>
-          <p:spPr>
-            <a:xfrm>
-              <a:off x="5058618" y="2480384"/>
-              <a:ext cx="1827739" cy="923330"/>
-            </a:xfrm>
-            <a:prstGeom prst="rect">
-              <a:avLst/>
-            </a:prstGeom>
-            <a:noFill/>
-            <a:effectLst>
-              <a:glow rad="63500">
-                <a:schemeClr val="accent2">
-                  <a:satMod val="175000"/>
-                  <a:alpha val="0"/>
-                </a:schemeClr>
-              </a:glow>
-            </a:effectLst>
-          </p:spPr>
-          <p:txBody>
-            <a:bodyPr wrap="square" rtlCol="0">
-              <a:spAutoFit/>
-            </a:bodyPr>
-            <a:lstStyle/>
-            <a:p>
-              <a:r>
-                <a:rPr lang="en-US" dirty="0"/>
-                <a:t>a[i] &lt; b[j]</a:t>
-              </a:r>
-            </a:p>
-            <a:p>
-              <a:r>
-                <a:rPr lang="en-US" dirty="0"/>
-                <a:t>     b[j + 1] = b[j]</a:t>
-              </a:r>
-            </a:p>
-            <a:p>
-              <a:r>
-                <a:rPr lang="en-US" dirty="0"/>
-                <a:t>j--;</a:t>
-              </a:r>
-            </a:p>
-          </p:txBody>
-        </p:sp>
-        <p:sp>
-          <p:nvSpPr>
             <p:cNvPr id="75" name="TextBox 74">
               <a:extLst>
                 <a:ext uri="{FF2B5EF4-FFF2-40B4-BE49-F238E27FC236}">
@@ -11830,7 +11775,7 @@
         </p:nvSpPr>
         <p:spPr>
           <a:xfrm>
-            <a:off x="4910139" y="4927393"/>
+            <a:off x="5056630" y="1822147"/>
             <a:ext cx="1827739" cy="1477328"/>
           </a:xfrm>
           <a:prstGeom prst="rect">
@@ -11868,13 +11813,13 @@
           </a:p>
           <a:p>
             <a:r>
-              <a:rPr lang="en-US" dirty="0"/>
+              <a:rPr lang="en-US" b="1" dirty="0"/>
               <a:t>Condition false </a:t>
             </a:r>
           </a:p>
           <a:p>
             <a:r>
-              <a:rPr lang="en-US" dirty="0"/>
+              <a:rPr lang="en-US" b="1" dirty="0"/>
               <a:t>So b[j+1] = a[i]</a:t>
             </a:r>
           </a:p>
@@ -14831,7 +14776,10 @@
               <a:lstStyle/>
               <a:p>
                 <a:pPr algn="ctr"/>
-                <a:endParaRPr lang="en-US" sz="2400" b="1" dirty="0"/>
+                <a:r>
+                  <a:rPr lang="en-US" sz="2400" b="1" dirty="0"/>
+                  <a:t>10</a:t>
+                </a:r>
               </a:p>
             </p:txBody>
           </p:sp>
@@ -14951,7 +14899,10 @@
               <a:lstStyle/>
               <a:p>
                 <a:pPr algn="ctr"/>
-                <a:endParaRPr lang="en-US" sz="2400" b="1" dirty="0"/>
+                <a:r>
+                  <a:rPr lang="en-US" sz="2400" b="1" dirty="0"/>
+                  <a:t>20</a:t>
+                </a:r>
               </a:p>
             </p:txBody>
           </p:sp>
@@ -15071,7 +15022,10 @@
               <a:lstStyle/>
               <a:p>
                 <a:pPr algn="ctr"/>
-                <a:endParaRPr lang="en-US" sz="2400" b="1" dirty="0"/>
+                <a:r>
+                  <a:rPr lang="en-US" sz="2400" b="1" dirty="0"/>
+                  <a:t>30</a:t>
+                </a:r>
               </a:p>
             </p:txBody>
           </p:sp>
@@ -15191,7 +15145,10 @@
               <a:lstStyle/>
               <a:p>
                 <a:pPr algn="ctr"/>
-                <a:endParaRPr lang="en-US" sz="2400" b="1" dirty="0"/>
+                <a:r>
+                  <a:rPr lang="en-US" sz="2400" b="1" dirty="0"/>
+                  <a:t>40</a:t>
+                </a:r>
               </a:p>
             </p:txBody>
           </p:sp>
@@ -15311,7 +15268,10 @@
               <a:lstStyle/>
               <a:p>
                 <a:pPr algn="ctr"/>
-                <a:endParaRPr lang="en-US" sz="2400" b="1" dirty="0"/>
+                <a:r>
+                  <a:rPr lang="en-US" sz="2400" b="1" dirty="0"/>
+                  <a:t>50</a:t>
+                </a:r>
               </a:p>
             </p:txBody>
           </p:sp>
@@ -25684,7 +25644,7 @@
                     <a:pPr algn="ctr"/>
                     <a:r>
                       <a:rPr lang="en-US" sz="2400" b="1" dirty="0"/>
-                      <a:t>20</a:t>
+                      <a:t>50</a:t>
                     </a:r>
                   </a:p>
                 </p:txBody>
@@ -25807,7 +25767,7 @@
                     <a:pPr algn="ctr"/>
                     <a:r>
                       <a:rPr lang="en-US" sz="2400" b="1" dirty="0"/>
-                      <a:t>10</a:t>
+                      <a:t>40</a:t>
                     </a:r>
                   </a:p>
                 </p:txBody>
@@ -25930,7 +25890,7 @@
                     <a:pPr algn="ctr"/>
                     <a:r>
                       <a:rPr lang="en-US" sz="2400" b="1" dirty="0"/>
-                      <a:t>30</a:t>
+                      <a:t>20</a:t>
                     </a:r>
                   </a:p>
                 </p:txBody>
@@ -26053,7 +26013,7 @@
                     <a:pPr algn="ctr"/>
                     <a:r>
                       <a:rPr lang="en-US" sz="2400" b="1" dirty="0"/>
-                      <a:t>40</a:t>
+                      <a:t>10</a:t>
                     </a:r>
                   </a:p>
                 </p:txBody>
@@ -26176,7 +26136,7 @@
                     <a:pPr algn="ctr"/>
                     <a:r>
                       <a:rPr lang="en-US" sz="2400" b="1" dirty="0"/>
-                      <a:t>50</a:t>
+                      <a:t>30</a:t>
                     </a:r>
                   </a:p>
                 </p:txBody>
